--- a/week1/First Class.pptx
+++ b/week1/First Class.pptx
@@ -5,7 +5,7 @@
     <p:sldMasterId id="2147483659" r:id="rId1"/>
   </p:sldMasterIdLst>
   <p:notesMasterIdLst>
-    <p:notesMasterId r:id="rId32"/>
+    <p:notesMasterId r:id="rId34"/>
   </p:notesMasterIdLst>
   <p:sldIdLst>
     <p:sldId id="256" r:id="rId2"/>
@@ -32,12 +32,14 @@
     <p:sldId id="277" r:id="rId23"/>
     <p:sldId id="278" r:id="rId24"/>
     <p:sldId id="279" r:id="rId25"/>
-    <p:sldId id="283" r:id="rId26"/>
-    <p:sldId id="284" r:id="rId27"/>
-    <p:sldId id="285" r:id="rId28"/>
-    <p:sldId id="280" r:id="rId29"/>
-    <p:sldId id="281" r:id="rId30"/>
-    <p:sldId id="282" r:id="rId31"/>
+    <p:sldId id="287" r:id="rId26"/>
+    <p:sldId id="283" r:id="rId27"/>
+    <p:sldId id="284" r:id="rId28"/>
+    <p:sldId id="285" r:id="rId29"/>
+    <p:sldId id="280" r:id="rId30"/>
+    <p:sldId id="286" r:id="rId31"/>
+    <p:sldId id="281" r:id="rId32"/>
+    <p:sldId id="282" r:id="rId33"/>
   </p:sldIdLst>
   <p:sldSz cx="9144000" cy="5143500" type="screen16x9"/>
   <p:notesSz cx="6858000" cy="9144000"/>
@@ -9063,10 +9065,10 @@
               <a:buNone/>
             </a:pPr>
             <a:r>
-              <a:rPr lang="it"/>
+              <a:rPr lang="it" dirty="0"/>
               <a:t>An intensive course of German for beginners consists of 72 hours.</a:t>
             </a:r>
-            <a:endParaRPr/>
+            <a:endParaRPr dirty="0"/>
           </a:p>
           <a:p>
             <a:pPr marL="0" lvl="0" indent="0" algn="l" rtl="0">
@@ -9079,10 +9081,10 @@
               <a:buNone/>
             </a:pPr>
             <a:r>
-              <a:rPr lang="it" b="1"/>
+              <a:rPr lang="it" b="1" dirty="0"/>
               <a:t>To reach the level of A1</a:t>
             </a:r>
-            <a:endParaRPr b="1"/>
+            <a:endParaRPr b="1" dirty="0"/>
           </a:p>
           <a:p>
             <a:pPr marL="0" lvl="0" indent="0" algn="l" rtl="0">
@@ -9095,10 +9097,10 @@
               <a:buNone/>
             </a:pPr>
             <a:r>
-              <a:rPr lang="it"/>
-              <a:t>Do you think you could learn a new language in 30 hours?</a:t>
-            </a:r>
-            <a:endParaRPr/>
+              <a:rPr lang="it" dirty="0"/>
+              <a:t>Do you think you could learn a new language in 30-45 hours?</a:t>
+            </a:r>
+            <a:endParaRPr dirty="0"/>
           </a:p>
           <a:p>
             <a:pPr marL="0" lvl="0" indent="0" algn="l" rtl="0">
@@ -9110,7 +9112,7 @@
               </a:spcAft>
               <a:buNone/>
             </a:pPr>
-            <a:endParaRPr/>
+            <a:endParaRPr dirty="0"/>
           </a:p>
         </p:txBody>
       </p:sp>
@@ -9282,10 +9284,10 @@
               <a:buNone/>
             </a:pPr>
             <a:r>
-              <a:rPr lang="it"/>
+              <a:rPr lang="it" dirty="0"/>
               <a:t>An intensive course of German for beginners consists of 72 hours.</a:t>
             </a:r>
-            <a:endParaRPr/>
+            <a:endParaRPr dirty="0"/>
           </a:p>
           <a:p>
             <a:pPr marL="0" lvl="0" indent="0" algn="l" rtl="0">
@@ -9298,10 +9300,10 @@
               <a:buNone/>
             </a:pPr>
             <a:r>
-              <a:rPr lang="it" b="1"/>
+              <a:rPr lang="it" b="1" dirty="0"/>
               <a:t>To reach the level of A1</a:t>
             </a:r>
-            <a:endParaRPr b="1"/>
+            <a:endParaRPr b="1" dirty="0"/>
           </a:p>
           <a:p>
             <a:pPr marL="0" lvl="0" indent="0" algn="l" rtl="0">
@@ -9314,10 +9316,10 @@
               <a:buNone/>
             </a:pPr>
             <a:r>
-              <a:rPr lang="it"/>
-              <a:t>Do you think you could learn a new language in 30 hours?</a:t>
-            </a:r>
-            <a:endParaRPr/>
+              <a:rPr lang="it" dirty="0"/>
+              <a:t>Do you think you could learn a new language in 30-45 hours?</a:t>
+            </a:r>
+            <a:endParaRPr dirty="0"/>
           </a:p>
           <a:p>
             <a:pPr marL="0" lvl="0" indent="0" algn="l" rtl="0">
@@ -9330,10 +9332,10 @@
               <a:buNone/>
             </a:pPr>
             <a:r>
-              <a:rPr lang="it"/>
+              <a:rPr lang="it" dirty="0"/>
               <a:t>In this course, you will learn the basics to program in Python, but that alone won’t make you a “fluent” programmer.</a:t>
             </a:r>
-            <a:endParaRPr/>
+            <a:endParaRPr dirty="0"/>
           </a:p>
         </p:txBody>
       </p:sp>
@@ -11673,7 +11675,7 @@
           <p:cNvPr id="2" name="Titolo 1">
             <a:extLst>
               <a:ext uri="{FF2B5EF4-FFF2-40B4-BE49-F238E27FC236}">
-                <a16:creationId xmlns:a16="http://schemas.microsoft.com/office/drawing/2014/main" id="{103C0535-5CD8-2394-87D0-B30DB8D98A50}"/>
+                <a16:creationId xmlns:a16="http://schemas.microsoft.com/office/drawing/2014/main" id="{ABB7B55B-727C-4CB6-5F04-B7510A90300D}"/>
               </a:ext>
             </a:extLst>
           </p:cNvPr>
@@ -11693,11 +11695,7 @@
           <a:p>
             <a:r>
               <a:rPr lang="it-IT" dirty="0"/>
-              <a:t>The </a:t>
-            </a:r>
-            <a:r>
-              <a:rPr lang="it-IT" dirty="0" err="1"/>
-              <a:t>exam</a:t>
+              <a:t>Class structure</a:t>
             </a:r>
             <a:endParaRPr lang="en-US" dirty="0"/>
           </a:p>
@@ -11708,7 +11706,7 @@
           <p:cNvPr id="3" name="Segnaposto testo 2">
             <a:extLst>
               <a:ext uri="{FF2B5EF4-FFF2-40B4-BE49-F238E27FC236}">
-                <a16:creationId xmlns:a16="http://schemas.microsoft.com/office/drawing/2014/main" id="{C696EBB6-6E19-6D09-CA4D-5EE21A644A24}"/>
+                <a16:creationId xmlns:a16="http://schemas.microsoft.com/office/drawing/2014/main" id="{5A4EA8E8-D844-4D44-A04B-16ADC21EB973}"/>
               </a:ext>
             </a:extLst>
           </p:cNvPr>
@@ -11724,15 +11722,97 @@
           <a:bodyPr/>
           <a:lstStyle/>
           <a:p>
+            <a:pPr>
+              <a:buFont typeface="+mj-lt"/>
+              <a:buAutoNum type="arabicPeriod"/>
+            </a:pPr>
             <a:r>
               <a:rPr lang="it-IT" dirty="0"/>
-              <a:t>Portfolio</a:t>
-            </a:r>
-          </a:p>
-          <a:p>
+              <a:t>Introduction to the </a:t>
+            </a:r>
+            <a:r>
+              <a:rPr lang="it-IT" dirty="0" err="1"/>
+              <a:t>topic</a:t>
+            </a:r>
             <a:r>
               <a:rPr lang="it-IT" dirty="0"/>
-              <a:t>You </a:t>
+              <a:t> – </a:t>
+            </a:r>
+            <a:r>
+              <a:rPr lang="it-IT" dirty="0" err="1"/>
+              <a:t>Revision</a:t>
+            </a:r>
+            <a:r>
+              <a:rPr lang="it-IT" dirty="0"/>
+              <a:t> of the </a:t>
+            </a:r>
+            <a:r>
+              <a:rPr lang="it-IT" dirty="0" err="1"/>
+              <a:t>previous</a:t>
+            </a:r>
+            <a:r>
+              <a:rPr lang="it-IT" dirty="0"/>
+              <a:t> week</a:t>
+            </a:r>
+          </a:p>
+          <a:p>
+            <a:pPr>
+              <a:buFont typeface="+mj-lt"/>
+              <a:buAutoNum type="arabicPeriod"/>
+            </a:pPr>
+            <a:r>
+              <a:rPr lang="it-IT" dirty="0"/>
+              <a:t>Follow </a:t>
+            </a:r>
+            <a:r>
+              <a:rPr lang="it-IT" dirty="0" err="1"/>
+              <a:t>my</a:t>
+            </a:r>
+            <a:r>
+              <a:rPr lang="it-IT" dirty="0"/>
+              <a:t> </a:t>
+            </a:r>
+            <a:r>
+              <a:rPr lang="it-IT" dirty="0" err="1"/>
+              <a:t>explanation</a:t>
+            </a:r>
+            <a:r>
+              <a:rPr lang="it-IT" dirty="0"/>
+              <a:t> </a:t>
+            </a:r>
+            <a:r>
+              <a:rPr lang="it-IT" dirty="0" err="1"/>
+              <a:t>through</a:t>
+            </a:r>
+            <a:r>
+              <a:rPr lang="it-IT" dirty="0"/>
+              <a:t> interactive notebooks</a:t>
+            </a:r>
+          </a:p>
+          <a:p>
+            <a:pPr>
+              <a:buFont typeface="+mj-lt"/>
+              <a:buAutoNum type="arabicPeriod"/>
+            </a:pPr>
+            <a:r>
+              <a:rPr lang="it-IT" dirty="0"/>
+              <a:t>Do the </a:t>
+            </a:r>
+            <a:r>
+              <a:rPr lang="it-IT" dirty="0" err="1"/>
+              <a:t>exercises</a:t>
+            </a:r>
+            <a:r>
+              <a:rPr lang="it-IT" dirty="0"/>
+              <a:t> on </a:t>
+            </a:r>
+            <a:r>
+              <a:rPr lang="it-IT" dirty="0" err="1"/>
+              <a:t>your</a:t>
+            </a:r>
+            <a:r>
+              <a:rPr lang="it-IT" dirty="0"/>
+              <a:t> own, I </a:t>
             </a:r>
             <a:r>
               <a:rPr lang="it-IT" dirty="0" err="1"/>
@@ -11740,223 +11820,17 @@
             </a:r>
             <a:r>
               <a:rPr lang="it-IT" dirty="0"/>
-              <a:t> work in groups to create a Python project, where </a:t>
+              <a:t> help </a:t>
             </a:r>
             <a:r>
               <a:rPr lang="it-IT" dirty="0" err="1"/>
-              <a:t>each</a:t>
+              <a:t>if</a:t>
             </a:r>
             <a:r>
               <a:rPr lang="it-IT" dirty="0"/>
-              <a:t> </a:t>
-            </a:r>
-            <a:r>
-              <a:rPr lang="it-IT" dirty="0" err="1"/>
-              <a:t>member</a:t>
-            </a:r>
-            <a:r>
-              <a:rPr lang="it-IT" dirty="0"/>
-              <a:t> </a:t>
-            </a:r>
-            <a:r>
-              <a:rPr lang="it-IT" dirty="0" err="1"/>
-              <a:t>will</a:t>
-            </a:r>
-            <a:r>
-              <a:rPr lang="it-IT" dirty="0"/>
-              <a:t> </a:t>
-            </a:r>
-            <a:r>
-              <a:rPr lang="it-IT" dirty="0" err="1"/>
-              <a:t>have</a:t>
-            </a:r>
-            <a:r>
-              <a:rPr lang="it-IT" dirty="0"/>
-              <a:t> their own </a:t>
-            </a:r>
-            <a:r>
-              <a:rPr lang="it-IT" dirty="0" err="1"/>
-              <a:t>functions</a:t>
-            </a:r>
-            <a:r>
-              <a:rPr lang="it-IT" dirty="0"/>
-              <a:t> to </a:t>
-            </a:r>
-            <a:r>
-              <a:rPr lang="it-IT" dirty="0" err="1"/>
-              <a:t>develop</a:t>
-            </a:r>
-            <a:r>
-              <a:rPr lang="it-IT" dirty="0"/>
-              <a:t> (a class </a:t>
-            </a:r>
-            <a:r>
-              <a:rPr lang="it-IT" dirty="0" err="1"/>
-              <a:t>will</a:t>
-            </a:r>
-            <a:r>
-              <a:rPr lang="it-IT" dirty="0"/>
-              <a:t> be </a:t>
-            </a:r>
-            <a:r>
-              <a:rPr lang="it-IT" dirty="0" err="1"/>
-              <a:t>completely</a:t>
-            </a:r>
-            <a:r>
-              <a:rPr lang="it-IT" dirty="0"/>
-              <a:t> </a:t>
-            </a:r>
-            <a:r>
-              <a:rPr lang="it-IT" dirty="0" err="1"/>
-              <a:t>dedicated</a:t>
-            </a:r>
-            <a:r>
-              <a:rPr lang="it-IT" dirty="0"/>
-              <a:t> to </a:t>
-            </a:r>
-            <a:r>
-              <a:rPr lang="it-IT" dirty="0" err="1"/>
-              <a:t>this</a:t>
-            </a:r>
-            <a:r>
-              <a:rPr lang="it-IT" dirty="0"/>
-              <a:t> </a:t>
-            </a:r>
-            <a:r>
-              <a:rPr lang="it-IT" dirty="0" err="1"/>
-              <a:t>matter</a:t>
-            </a:r>
-            <a:r>
-              <a:rPr lang="it-IT" dirty="0"/>
-              <a:t>)</a:t>
-            </a:r>
-          </a:p>
-          <a:p>
-            <a:r>
-              <a:rPr lang="it-IT" dirty="0"/>
-              <a:t>You </a:t>
-            </a:r>
-            <a:r>
-              <a:rPr lang="it-IT" dirty="0" err="1"/>
-              <a:t>will</a:t>
-            </a:r>
-            <a:r>
-              <a:rPr lang="it-IT" dirty="0"/>
-              <a:t> send the </a:t>
-            </a:r>
-            <a:r>
-              <a:rPr lang="it-IT" dirty="0" err="1"/>
-              <a:t>functions</a:t>
-            </a:r>
-            <a:r>
-              <a:rPr lang="it-IT" dirty="0"/>
-              <a:t> to me before a set deadline</a:t>
-            </a:r>
-          </a:p>
-          <a:p>
-            <a:r>
-              <a:rPr lang="it-IT" dirty="0"/>
-              <a:t>You </a:t>
-            </a:r>
-            <a:r>
-              <a:rPr lang="it-IT" dirty="0" err="1"/>
-              <a:t>will</a:t>
-            </a:r>
-            <a:r>
-              <a:rPr lang="it-IT" dirty="0"/>
-              <a:t> create a documentation for the code </a:t>
-            </a:r>
-            <a:r>
-              <a:rPr lang="it-IT" dirty="0" err="1"/>
-              <a:t>you</a:t>
-            </a:r>
-            <a:r>
-              <a:rPr lang="it-IT" dirty="0"/>
-              <a:t> </a:t>
-            </a:r>
-            <a:r>
-              <a:rPr lang="it-IT" dirty="0" err="1"/>
-              <a:t>have</a:t>
-            </a:r>
-            <a:r>
-              <a:rPr lang="it-IT" dirty="0"/>
-              <a:t> </a:t>
-            </a:r>
-            <a:r>
-              <a:rPr lang="it-IT" dirty="0" err="1"/>
-              <a:t>written</a:t>
-            </a:r>
-            <a:endParaRPr lang="it-IT" dirty="0"/>
-          </a:p>
-          <a:p>
-            <a:r>
-              <a:rPr lang="it-IT" dirty="0"/>
-              <a:t>You </a:t>
-            </a:r>
-            <a:r>
-              <a:rPr lang="it-IT" dirty="0" err="1"/>
-              <a:t>will</a:t>
-            </a:r>
-            <a:r>
-              <a:rPr lang="it-IT" dirty="0"/>
-              <a:t> need to explain the </a:t>
-            </a:r>
-            <a:r>
-              <a:rPr lang="it-IT" dirty="0" err="1"/>
-              <a:t>functions</a:t>
-            </a:r>
-            <a:r>
-              <a:rPr lang="it-IT" dirty="0"/>
-              <a:t> </a:t>
-            </a:r>
-            <a:r>
-              <a:rPr lang="it-IT" dirty="0" err="1"/>
-              <a:t>you</a:t>
-            </a:r>
-            <a:r>
-              <a:rPr lang="it-IT" dirty="0"/>
-              <a:t> </a:t>
-            </a:r>
-            <a:r>
-              <a:rPr lang="it-IT" dirty="0" err="1"/>
-              <a:t>developed</a:t>
-            </a:r>
-            <a:r>
-              <a:rPr lang="it-IT" dirty="0"/>
-              <a:t> </a:t>
-            </a:r>
-            <a:r>
-              <a:rPr lang="it-IT" b="1" dirty="0"/>
-              <a:t>line by line</a:t>
-            </a:r>
-            <a:r>
-              <a:rPr lang="it-IT" dirty="0"/>
-              <a:t> to me in </a:t>
-            </a:r>
-            <a:r>
-              <a:rPr lang="it-IT" dirty="0" err="1"/>
-              <a:t>person</a:t>
-            </a:r>
-            <a:r>
-              <a:rPr lang="it-IT" dirty="0"/>
-              <a:t> / online, answer to questions </a:t>
-            </a:r>
-            <a:r>
-              <a:rPr lang="it-IT" dirty="0" err="1"/>
-              <a:t>regarding</a:t>
-            </a:r>
-            <a:r>
-              <a:rPr lang="it-IT" dirty="0"/>
-              <a:t> </a:t>
-            </a:r>
-            <a:r>
-              <a:rPr lang="it-IT" dirty="0" err="1"/>
-              <a:t>your</a:t>
-            </a:r>
-            <a:r>
-              <a:rPr lang="it-IT" dirty="0"/>
-              <a:t> code.</a:t>
-            </a:r>
+              <a:t> needed</a:t>
+            </a:r>
+            <a:endParaRPr lang="en-US" dirty="0"/>
           </a:p>
         </p:txBody>
       </p:sp>
@@ -11965,7 +11839,7 @@
           <p:cNvPr id="4" name="Segnaposto numero diapositiva 3">
             <a:extLst>
               <a:ext uri="{FF2B5EF4-FFF2-40B4-BE49-F238E27FC236}">
-                <a16:creationId xmlns:a16="http://schemas.microsoft.com/office/drawing/2014/main" id="{4C191AF2-9B2F-70CE-9EFE-0E4C6613DDE1}"/>
+                <a16:creationId xmlns:a16="http://schemas.microsoft.com/office/drawing/2014/main" id="{23B40E7F-6F6C-7582-A7B0-8A7CD5A5203D}"/>
               </a:ext>
             </a:extLst>
           </p:cNvPr>
@@ -12003,7 +11877,7 @@
           <p:cNvPr id="5" name="Segnaposto piè di pagina 4">
             <a:extLst>
               <a:ext uri="{FF2B5EF4-FFF2-40B4-BE49-F238E27FC236}">
-                <a16:creationId xmlns:a16="http://schemas.microsoft.com/office/drawing/2014/main" id="{73E8DE1D-F2D5-6130-6A32-BE55CA20ECAD}"/>
+                <a16:creationId xmlns:a16="http://schemas.microsoft.com/office/drawing/2014/main" id="{BAE70156-4B84-6F6D-FD45-452C47362B83}"/>
               </a:ext>
             </a:extLst>
           </p:cNvPr>
@@ -12029,7 +11903,7 @@
     </p:spTree>
     <p:extLst>
       <p:ext uri="{BB962C8B-B14F-4D97-AF65-F5344CB8AC3E}">
-        <p14:creationId xmlns:p14="http://schemas.microsoft.com/office/powerpoint/2010/main" val="200342523"/>
+        <p14:creationId xmlns:p14="http://schemas.microsoft.com/office/powerpoint/2010/main" val="1294499379"/>
       </p:ext>
     </p:extLst>
   </p:cSld>
@@ -12061,7 +11935,7 @@
           <p:cNvPr id="2" name="Titolo 1">
             <a:extLst>
               <a:ext uri="{FF2B5EF4-FFF2-40B4-BE49-F238E27FC236}">
-                <a16:creationId xmlns:a16="http://schemas.microsoft.com/office/drawing/2014/main" id="{84A11CBE-9C1D-2FE7-4BA0-2E626358D7E0}"/>
+                <a16:creationId xmlns:a16="http://schemas.microsoft.com/office/drawing/2014/main" id="{103C0535-5CD8-2394-87D0-B30DB8D98A50}"/>
               </a:ext>
             </a:extLst>
           </p:cNvPr>
@@ -12081,7 +11955,11 @@
           <a:p>
             <a:r>
               <a:rPr lang="it-IT" dirty="0"/>
-              <a:t>Scores</a:t>
+              <a:t>The </a:t>
+            </a:r>
+            <a:r>
+              <a:rPr lang="it-IT" dirty="0" err="1"/>
+              <a:t>exam</a:t>
             </a:r>
             <a:endParaRPr lang="en-US" dirty="0"/>
           </a:p>
@@ -12092,7 +11970,7 @@
           <p:cNvPr id="3" name="Segnaposto testo 2">
             <a:extLst>
               <a:ext uri="{FF2B5EF4-FFF2-40B4-BE49-F238E27FC236}">
-                <a16:creationId xmlns:a16="http://schemas.microsoft.com/office/drawing/2014/main" id="{A13EBA0E-7C12-61A3-F5B1-68B2D658F67D}"/>
+                <a16:creationId xmlns:a16="http://schemas.microsoft.com/office/drawing/2014/main" id="{C696EBB6-6E19-6D09-CA4D-5EE21A644A24}"/>
               </a:ext>
             </a:extLst>
           </p:cNvPr>
@@ -12118,23 +11996,39 @@
             </a:r>
             <a:r>
               <a:rPr lang="it-IT" dirty="0"/>
+              <a:t> work in groups to create a project in Python, where </a:t>
+            </a:r>
+            <a:r>
+              <a:rPr lang="it-IT" dirty="0" err="1"/>
+              <a:t>each</a:t>
+            </a:r>
+            <a:r>
+              <a:rPr lang="it-IT" dirty="0"/>
               <a:t> </a:t>
             </a:r>
             <a:r>
               <a:rPr lang="it-IT" dirty="0" err="1"/>
-              <a:t>get</a:t>
+              <a:t>member</a:t>
             </a:r>
             <a:r>
               <a:rPr lang="it-IT" dirty="0"/>
-              <a:t> from 0 to 40 points for the </a:t>
+              <a:t> </a:t>
             </a:r>
             <a:r>
               <a:rPr lang="it-IT" dirty="0" err="1"/>
-              <a:t>correctness</a:t>
+              <a:t>will</a:t>
             </a:r>
             <a:r>
               <a:rPr lang="it-IT" dirty="0"/>
-              <a:t> of the </a:t>
+              <a:t> </a:t>
+            </a:r>
+            <a:r>
+              <a:rPr lang="it-IT" dirty="0" err="1"/>
+              <a:t>have</a:t>
+            </a:r>
+            <a:r>
+              <a:rPr lang="it-IT" dirty="0"/>
+              <a:t> their own </a:t>
             </a:r>
             <a:r>
               <a:rPr lang="it-IT" dirty="0" err="1"/>
@@ -12142,7 +12036,75 @@
             </a:r>
             <a:r>
               <a:rPr lang="it-IT" dirty="0"/>
-              <a:t> </a:t>
+              <a:t> to </a:t>
+            </a:r>
+            <a:r>
+              <a:rPr lang="it-IT" dirty="0" err="1"/>
+              <a:t>develop</a:t>
+            </a:r>
+            <a:r>
+              <a:rPr lang="it-IT" dirty="0"/>
+              <a:t> (more </a:t>
+            </a:r>
+            <a:r>
+              <a:rPr lang="it-IT" dirty="0" err="1"/>
+              <a:t>details</a:t>
+            </a:r>
+            <a:r>
+              <a:rPr lang="it-IT" dirty="0"/>
+              <a:t> on the project </a:t>
+            </a:r>
+            <a:r>
+              <a:rPr lang="it-IT" dirty="0" err="1"/>
+              <a:t>will</a:t>
+            </a:r>
+            <a:r>
+              <a:rPr lang="it-IT" dirty="0"/>
+              <a:t> be </a:t>
+            </a:r>
+            <a:r>
+              <a:rPr lang="it-IT" dirty="0" err="1"/>
+              <a:t>given</a:t>
+            </a:r>
+            <a:r>
+              <a:rPr lang="it-IT" dirty="0"/>
+              <a:t> in a future class)</a:t>
+            </a:r>
+          </a:p>
+          <a:p>
+            <a:r>
+              <a:rPr lang="it-IT" dirty="0"/>
+              <a:t>You </a:t>
+            </a:r>
+            <a:r>
+              <a:rPr lang="it-IT" dirty="0" err="1"/>
+              <a:t>will</a:t>
+            </a:r>
+            <a:r>
+              <a:rPr lang="it-IT" dirty="0"/>
+              <a:t> send the </a:t>
+            </a:r>
+            <a:r>
+              <a:rPr lang="it-IT" dirty="0" err="1"/>
+              <a:t>functions</a:t>
+            </a:r>
+            <a:r>
+              <a:rPr lang="it-IT" dirty="0"/>
+              <a:t> to me before a set deadline</a:t>
+            </a:r>
+          </a:p>
+          <a:p>
+            <a:r>
+              <a:rPr lang="it-IT" dirty="0"/>
+              <a:t>You </a:t>
+            </a:r>
+            <a:r>
+              <a:rPr lang="it-IT" dirty="0" err="1"/>
+              <a:t>will</a:t>
+            </a:r>
+            <a:r>
+              <a:rPr lang="it-IT" dirty="0"/>
+              <a:t> create a documentation for the code </a:t>
             </a:r>
             <a:r>
               <a:rPr lang="it-IT" dirty="0" err="1"/>
@@ -12154,7 +12116,7 @@
             </a:r>
             <a:r>
               <a:rPr lang="it-IT" dirty="0" err="1"/>
-              <a:t>will</a:t>
+              <a:t>have</a:t>
             </a:r>
             <a:r>
               <a:rPr lang="it-IT" dirty="0"/>
@@ -12162,12 +12124,9 @@
             </a:r>
             <a:r>
               <a:rPr lang="it-IT" dirty="0" err="1"/>
-              <a:t>develop</a:t>
-            </a:r>
-            <a:r>
-              <a:rPr lang="it-IT" dirty="0"/>
-              <a:t> from the project (group grade)</a:t>
-            </a:r>
+              <a:t>written</a:t>
+            </a:r>
+            <a:endParaRPr lang="it-IT" dirty="0"/>
           </a:p>
           <a:p>
             <a:r>
@@ -12180,23 +12139,15 @@
             </a:r>
             <a:r>
               <a:rPr lang="it-IT" dirty="0"/>
+              <a:t> need to explain the </a:t>
+            </a:r>
+            <a:r>
+              <a:rPr lang="it-IT" dirty="0" err="1"/>
+              <a:t>functions</a:t>
+            </a:r>
+            <a:r>
+              <a:rPr lang="it-IT" dirty="0"/>
               <a:t> </a:t>
-            </a:r>
-            <a:r>
-              <a:rPr lang="it-IT" dirty="0" err="1"/>
-              <a:t>get</a:t>
-            </a:r>
-            <a:r>
-              <a:rPr lang="it-IT" dirty="0"/>
-              <a:t> from 0 to 20 points for the </a:t>
-            </a:r>
-            <a:r>
-              <a:rPr lang="it-IT" dirty="0" err="1"/>
-              <a:t>clarity</a:t>
-            </a:r>
-            <a:r>
-              <a:rPr lang="it-IT" dirty="0"/>
-              <a:t> of the documentation </a:t>
             </a:r>
             <a:r>
               <a:rPr lang="it-IT" dirty="0" err="1"/>
@@ -12208,29 +12159,31 @@
             </a:r>
             <a:r>
               <a:rPr lang="it-IT" dirty="0" err="1"/>
-              <a:t>will</a:t>
+              <a:t>developed</a:t>
             </a:r>
             <a:r>
               <a:rPr lang="it-IT" dirty="0"/>
               <a:t> </a:t>
             </a:r>
             <a:r>
+              <a:rPr lang="it-IT" b="1" dirty="0"/>
+              <a:t>line by line</a:t>
+            </a:r>
+            <a:r>
+              <a:rPr lang="it-IT" dirty="0"/>
+              <a:t> to me in </a:t>
+            </a:r>
+            <a:r>
               <a:rPr lang="it-IT" dirty="0" err="1"/>
-              <a:t>write</a:t>
+              <a:t>person</a:t>
             </a:r>
             <a:r>
               <a:rPr lang="it-IT" dirty="0"/>
-              <a:t> (group grade)</a:t>
-            </a:r>
-          </a:p>
-          <a:p>
-            <a:r>
-              <a:rPr lang="it-IT" dirty="0"/>
-              <a:t>You </a:t>
+              <a:t> / online, answer to questions </a:t>
             </a:r>
             <a:r>
               <a:rPr lang="it-IT" dirty="0" err="1"/>
-              <a:t>will</a:t>
+              <a:t>regarding</a:t>
             </a:r>
             <a:r>
               <a:rPr lang="it-IT" dirty="0"/>
@@ -12238,53 +12191,12 @@
             </a:r>
             <a:r>
               <a:rPr lang="it-IT" dirty="0" err="1"/>
-              <a:t>get</a:t>
+              <a:t>your</a:t>
             </a:r>
             <a:r>
               <a:rPr lang="it-IT" dirty="0"/>
-              <a:t> from -40 to 40 points for the </a:t>
-            </a:r>
-            <a:r>
-              <a:rPr lang="it-IT" dirty="0" err="1"/>
-              <a:t>individual</a:t>
-            </a:r>
-            <a:r>
-              <a:rPr lang="it-IT" dirty="0"/>
-              <a:t> </a:t>
-            </a:r>
-            <a:r>
-              <a:rPr lang="it-IT" dirty="0" err="1"/>
-              <a:t>explanation</a:t>
-            </a:r>
-            <a:r>
-              <a:rPr lang="it-IT" dirty="0"/>
-              <a:t> of </a:t>
-            </a:r>
-            <a:r>
-              <a:rPr lang="it-IT" dirty="0" err="1"/>
-              <a:t>your</a:t>
-            </a:r>
-            <a:r>
-              <a:rPr lang="it-IT" dirty="0"/>
-              <a:t> </a:t>
-            </a:r>
-            <a:r>
-              <a:rPr lang="it-IT" dirty="0" err="1"/>
-              <a:t>functions</a:t>
-            </a:r>
-            <a:r>
-              <a:rPr lang="it-IT" dirty="0"/>
-              <a:t> (</a:t>
-            </a:r>
-            <a:r>
-              <a:rPr lang="it-IT" dirty="0" err="1"/>
-              <a:t>individual</a:t>
-            </a:r>
-            <a:r>
-              <a:rPr lang="it-IT" dirty="0"/>
-              <a:t> grade)</a:t>
-            </a:r>
-            <a:endParaRPr lang="en-US" dirty="0"/>
+              <a:t> code.</a:t>
+            </a:r>
           </a:p>
         </p:txBody>
       </p:sp>
@@ -12293,7 +12205,7 @@
           <p:cNvPr id="4" name="Segnaposto numero diapositiva 3">
             <a:extLst>
               <a:ext uri="{FF2B5EF4-FFF2-40B4-BE49-F238E27FC236}">
-                <a16:creationId xmlns:a16="http://schemas.microsoft.com/office/drawing/2014/main" id="{0656848F-9398-AF62-B50B-45572624DC3D}"/>
+                <a16:creationId xmlns:a16="http://schemas.microsoft.com/office/drawing/2014/main" id="{4C191AF2-9B2F-70CE-9EFE-0E4C6613DDE1}"/>
               </a:ext>
             </a:extLst>
           </p:cNvPr>
@@ -12331,7 +12243,7 @@
           <p:cNvPr id="5" name="Segnaposto piè di pagina 4">
             <a:extLst>
               <a:ext uri="{FF2B5EF4-FFF2-40B4-BE49-F238E27FC236}">
-                <a16:creationId xmlns:a16="http://schemas.microsoft.com/office/drawing/2014/main" id="{2894DBB6-B07C-6511-F8D5-4BC3FC502665}"/>
+                <a16:creationId xmlns:a16="http://schemas.microsoft.com/office/drawing/2014/main" id="{73E8DE1D-F2D5-6130-6A32-BE55CA20ECAD}"/>
               </a:ext>
             </a:extLst>
           </p:cNvPr>
@@ -12357,7 +12269,7 @@
     </p:spTree>
     <p:extLst>
       <p:ext uri="{BB962C8B-B14F-4D97-AF65-F5344CB8AC3E}">
-        <p14:creationId xmlns:p14="http://schemas.microsoft.com/office/powerpoint/2010/main" val="176538442"/>
+        <p14:creationId xmlns:p14="http://schemas.microsoft.com/office/powerpoint/2010/main" val="200342523"/>
       </p:ext>
     </p:extLst>
   </p:cSld>
@@ -12389,6 +12301,334 @@
           <p:cNvPr id="2" name="Titolo 1">
             <a:extLst>
               <a:ext uri="{FF2B5EF4-FFF2-40B4-BE49-F238E27FC236}">
+                <a16:creationId xmlns:a16="http://schemas.microsoft.com/office/drawing/2014/main" id="{84A11CBE-9C1D-2FE7-4BA0-2E626358D7E0}"/>
+              </a:ext>
+            </a:extLst>
+          </p:cNvPr>
+          <p:cNvSpPr>
+            <a:spLocks noGrp="1"/>
+          </p:cNvSpPr>
+          <p:nvPr>
+            <p:ph type="title"/>
+          </p:nvPr>
+        </p:nvSpPr>
+        <p:spPr/>
+        <p:txBody>
+          <a:bodyPr>
+            <a:normAutofit fontScale="90000"/>
+          </a:bodyPr>
+          <a:lstStyle/>
+          <a:p>
+            <a:r>
+              <a:rPr lang="it-IT" dirty="0"/>
+              <a:t>Scores</a:t>
+            </a:r>
+            <a:endParaRPr lang="en-US" dirty="0"/>
+          </a:p>
+        </p:txBody>
+      </p:sp>
+      <p:sp>
+        <p:nvSpPr>
+          <p:cNvPr id="3" name="Segnaposto testo 2">
+            <a:extLst>
+              <a:ext uri="{FF2B5EF4-FFF2-40B4-BE49-F238E27FC236}">
+                <a16:creationId xmlns:a16="http://schemas.microsoft.com/office/drawing/2014/main" id="{A13EBA0E-7C12-61A3-F5B1-68B2D658F67D}"/>
+              </a:ext>
+            </a:extLst>
+          </p:cNvPr>
+          <p:cNvSpPr>
+            <a:spLocks noGrp="1"/>
+          </p:cNvSpPr>
+          <p:nvPr>
+            <p:ph type="body" idx="1"/>
+          </p:nvPr>
+        </p:nvSpPr>
+        <p:spPr/>
+        <p:txBody>
+          <a:bodyPr/>
+          <a:lstStyle/>
+          <a:p>
+            <a:r>
+              <a:rPr lang="it-IT" dirty="0"/>
+              <a:t>You </a:t>
+            </a:r>
+            <a:r>
+              <a:rPr lang="it-IT" dirty="0" err="1"/>
+              <a:t>will</a:t>
+            </a:r>
+            <a:r>
+              <a:rPr lang="it-IT" dirty="0"/>
+              <a:t> </a:t>
+            </a:r>
+            <a:r>
+              <a:rPr lang="it-IT" dirty="0" err="1"/>
+              <a:t>get</a:t>
+            </a:r>
+            <a:r>
+              <a:rPr lang="it-IT" dirty="0"/>
+              <a:t> from 0 to 40 points for the </a:t>
+            </a:r>
+            <a:r>
+              <a:rPr lang="it-IT" dirty="0" err="1"/>
+              <a:t>correctness</a:t>
+            </a:r>
+            <a:r>
+              <a:rPr lang="it-IT" dirty="0"/>
+              <a:t> of the </a:t>
+            </a:r>
+            <a:r>
+              <a:rPr lang="it-IT" dirty="0" err="1"/>
+              <a:t>functions</a:t>
+            </a:r>
+            <a:r>
+              <a:rPr lang="it-IT" dirty="0"/>
+              <a:t> </a:t>
+            </a:r>
+            <a:r>
+              <a:rPr lang="it-IT" dirty="0" err="1"/>
+              <a:t>you</a:t>
+            </a:r>
+            <a:r>
+              <a:rPr lang="it-IT" dirty="0"/>
+              <a:t> </a:t>
+            </a:r>
+            <a:r>
+              <a:rPr lang="it-IT" dirty="0" err="1"/>
+              <a:t>will</a:t>
+            </a:r>
+            <a:r>
+              <a:rPr lang="it-IT" dirty="0"/>
+              <a:t> </a:t>
+            </a:r>
+            <a:r>
+              <a:rPr lang="it-IT" dirty="0" err="1"/>
+              <a:t>develop</a:t>
+            </a:r>
+            <a:r>
+              <a:rPr lang="it-IT" dirty="0"/>
+              <a:t> from the project (group grade)</a:t>
+            </a:r>
+          </a:p>
+          <a:p>
+            <a:r>
+              <a:rPr lang="it-IT" dirty="0"/>
+              <a:t>You </a:t>
+            </a:r>
+            <a:r>
+              <a:rPr lang="it-IT" dirty="0" err="1"/>
+              <a:t>will</a:t>
+            </a:r>
+            <a:r>
+              <a:rPr lang="it-IT" dirty="0"/>
+              <a:t> </a:t>
+            </a:r>
+            <a:r>
+              <a:rPr lang="it-IT" dirty="0" err="1"/>
+              <a:t>get</a:t>
+            </a:r>
+            <a:r>
+              <a:rPr lang="it-IT" dirty="0"/>
+              <a:t> from 0 to 20 points for the </a:t>
+            </a:r>
+            <a:r>
+              <a:rPr lang="it-IT" dirty="0" err="1"/>
+              <a:t>clarity</a:t>
+            </a:r>
+            <a:r>
+              <a:rPr lang="it-IT" dirty="0"/>
+              <a:t> of the documentation </a:t>
+            </a:r>
+            <a:r>
+              <a:rPr lang="it-IT" dirty="0" err="1"/>
+              <a:t>you</a:t>
+            </a:r>
+            <a:r>
+              <a:rPr lang="it-IT" dirty="0"/>
+              <a:t> </a:t>
+            </a:r>
+            <a:r>
+              <a:rPr lang="it-IT" dirty="0" err="1"/>
+              <a:t>will</a:t>
+            </a:r>
+            <a:r>
+              <a:rPr lang="it-IT" dirty="0"/>
+              <a:t> </a:t>
+            </a:r>
+            <a:r>
+              <a:rPr lang="it-IT" dirty="0" err="1"/>
+              <a:t>write</a:t>
+            </a:r>
+            <a:r>
+              <a:rPr lang="it-IT" dirty="0"/>
+              <a:t> (group grade)</a:t>
+            </a:r>
+          </a:p>
+          <a:p>
+            <a:r>
+              <a:rPr lang="it-IT" dirty="0"/>
+              <a:t>You </a:t>
+            </a:r>
+            <a:r>
+              <a:rPr lang="it-IT" dirty="0" err="1"/>
+              <a:t>will</a:t>
+            </a:r>
+            <a:r>
+              <a:rPr lang="it-IT" dirty="0"/>
+              <a:t> </a:t>
+            </a:r>
+            <a:r>
+              <a:rPr lang="it-IT" dirty="0" err="1"/>
+              <a:t>get</a:t>
+            </a:r>
+            <a:r>
+              <a:rPr lang="it-IT" dirty="0"/>
+              <a:t> from -40 to 40 points for the </a:t>
+            </a:r>
+            <a:r>
+              <a:rPr lang="it-IT" dirty="0" err="1"/>
+              <a:t>individual</a:t>
+            </a:r>
+            <a:r>
+              <a:rPr lang="it-IT" dirty="0"/>
+              <a:t> </a:t>
+            </a:r>
+            <a:r>
+              <a:rPr lang="it-IT" dirty="0" err="1"/>
+              <a:t>explanation</a:t>
+            </a:r>
+            <a:r>
+              <a:rPr lang="it-IT" dirty="0"/>
+              <a:t> of </a:t>
+            </a:r>
+            <a:r>
+              <a:rPr lang="it-IT" dirty="0" err="1"/>
+              <a:t>your</a:t>
+            </a:r>
+            <a:r>
+              <a:rPr lang="it-IT" dirty="0"/>
+              <a:t> </a:t>
+            </a:r>
+            <a:r>
+              <a:rPr lang="it-IT" dirty="0" err="1"/>
+              <a:t>functions</a:t>
+            </a:r>
+            <a:r>
+              <a:rPr lang="it-IT" dirty="0"/>
+              <a:t> (</a:t>
+            </a:r>
+            <a:r>
+              <a:rPr lang="it-IT" dirty="0" err="1"/>
+              <a:t>individual</a:t>
+            </a:r>
+            <a:r>
+              <a:rPr lang="it-IT" dirty="0"/>
+              <a:t> grade)</a:t>
+            </a:r>
+            <a:endParaRPr lang="en-US" dirty="0"/>
+          </a:p>
+        </p:txBody>
+      </p:sp>
+      <p:sp>
+        <p:nvSpPr>
+          <p:cNvPr id="4" name="Segnaposto numero diapositiva 3">
+            <a:extLst>
+              <a:ext uri="{FF2B5EF4-FFF2-40B4-BE49-F238E27FC236}">
+                <a16:creationId xmlns:a16="http://schemas.microsoft.com/office/drawing/2014/main" id="{0656848F-9398-AF62-B50B-45572624DC3D}"/>
+              </a:ext>
+            </a:extLst>
+          </p:cNvPr>
+          <p:cNvSpPr>
+            <a:spLocks noGrp="1"/>
+          </p:cNvSpPr>
+          <p:nvPr>
+            <p:ph type="sldNum" idx="12"/>
+          </p:nvPr>
+        </p:nvSpPr>
+        <p:spPr/>
+        <p:txBody>
+          <a:bodyPr/>
+          <a:lstStyle/>
+          <a:p>
+            <a:pPr marL="0" lvl="0" indent="0" algn="r" rtl="0">
+              <a:spcBef>
+                <a:spcPts val="0"/>
+              </a:spcBef>
+              <a:spcAft>
+                <a:spcPts val="0"/>
+              </a:spcAft>
+              <a:buNone/>
+            </a:pPr>
+            <a:fld id="{00000000-1234-1234-1234-123412341234}" type="slidenum">
+              <a:rPr lang="en-US" smtClean="0"/>
+              <a:t>27</a:t>
+            </a:fld>
+            <a:endParaRPr lang="en-US"/>
+          </a:p>
+        </p:txBody>
+      </p:sp>
+      <p:sp>
+        <p:nvSpPr>
+          <p:cNvPr id="5" name="Segnaposto piè di pagina 4">
+            <a:extLst>
+              <a:ext uri="{FF2B5EF4-FFF2-40B4-BE49-F238E27FC236}">
+                <a16:creationId xmlns:a16="http://schemas.microsoft.com/office/drawing/2014/main" id="{2894DBB6-B07C-6511-F8D5-4BC3FC502665}"/>
+              </a:ext>
+            </a:extLst>
+          </p:cNvPr>
+          <p:cNvSpPr>
+            <a:spLocks noGrp="1"/>
+          </p:cNvSpPr>
+          <p:nvPr>
+            <p:ph type="ftr" sz="quarter" idx="13"/>
+          </p:nvPr>
+        </p:nvSpPr>
+        <p:spPr/>
+        <p:txBody>
+          <a:bodyPr/>
+          <a:lstStyle/>
+          <a:p>
+            <a:r>
+              <a:rPr lang="en-US"/>
+              <a:t>Introduction to Programming for Humanists - 1</a:t>
+            </a:r>
+          </a:p>
+        </p:txBody>
+      </p:sp>
+    </p:spTree>
+    <p:extLst>
+      <p:ext uri="{BB962C8B-B14F-4D97-AF65-F5344CB8AC3E}">
+        <p14:creationId xmlns:p14="http://schemas.microsoft.com/office/powerpoint/2010/main" val="176538442"/>
+      </p:ext>
+    </p:extLst>
+  </p:cSld>
+  <p:clrMapOvr>
+    <a:masterClrMapping/>
+  </p:clrMapOvr>
+</p:sld>
+</file>
+
+<file path=ppt/slides/slide28.xml><?xml version="1.0" encoding="utf-8"?>
+<p:sld xmlns:a="http://schemas.openxmlformats.org/drawingml/2006/main" xmlns:r="http://schemas.openxmlformats.org/officeDocument/2006/relationships" xmlns:p="http://schemas.openxmlformats.org/presentationml/2006/main">
+  <p:cSld>
+    <p:spTree>
+      <p:nvGrpSpPr>
+        <p:cNvPr id="1" name=""/>
+        <p:cNvGrpSpPr/>
+        <p:nvPr/>
+      </p:nvGrpSpPr>
+      <p:grpSpPr>
+        <a:xfrm>
+          <a:off x="0" y="0"/>
+          <a:ext cx="0" cy="0"/>
+          <a:chOff x="0" y="0"/>
+          <a:chExt cx="0" cy="0"/>
+        </a:xfrm>
+      </p:grpSpPr>
+      <p:sp>
+        <p:nvSpPr>
+          <p:cNvPr id="2" name="Titolo 1">
+            <a:extLst>
+              <a:ext uri="{FF2B5EF4-FFF2-40B4-BE49-F238E27FC236}">
                 <a16:creationId xmlns:a16="http://schemas.microsoft.com/office/drawing/2014/main" id="{4ED099CD-BF54-20ED-3B37-FD574F8CFBEB}"/>
               </a:ext>
             </a:extLst>
@@ -12447,7 +12687,7 @@
             </a:pPr>
             <a:fld id="{00000000-1234-1234-1234-123412341234}" type="slidenum">
               <a:rPr lang="en-US" smtClean="0"/>
-              <a:t>27</a:t>
+              <a:t>28</a:t>
             </a:fld>
             <a:endParaRPr lang="en-US"/>
           </a:p>
@@ -13827,407 +14067,6 @@
 </p:sld>
 </file>
 
-<file path=ppt/slides/slide28.xml><?xml version="1.0" encoding="utf-8"?>
-<p:sld xmlns:a="http://schemas.openxmlformats.org/drawingml/2006/main" xmlns:r="http://schemas.openxmlformats.org/officeDocument/2006/relationships" xmlns:p="http://schemas.openxmlformats.org/presentationml/2006/main">
-  <p:cSld>
-    <p:spTree>
-      <p:nvGrpSpPr>
-        <p:cNvPr id="1" name=""/>
-        <p:cNvGrpSpPr/>
-        <p:nvPr/>
-      </p:nvGrpSpPr>
-      <p:grpSpPr>
-        <a:xfrm>
-          <a:off x="0" y="0"/>
-          <a:ext cx="0" cy="0"/>
-          <a:chOff x="0" y="0"/>
-          <a:chExt cx="0" cy="0"/>
-        </a:xfrm>
-      </p:grpSpPr>
-      <p:sp>
-        <p:nvSpPr>
-          <p:cNvPr id="2" name="Titolo 1">
-            <a:extLst>
-              <a:ext uri="{FF2B5EF4-FFF2-40B4-BE49-F238E27FC236}">
-                <a16:creationId xmlns:a16="http://schemas.microsoft.com/office/drawing/2014/main" id="{321AB6B3-411E-0C1F-9A2B-BC7EA039FA60}"/>
-              </a:ext>
-            </a:extLst>
-          </p:cNvPr>
-          <p:cNvSpPr>
-            <a:spLocks noGrp="1"/>
-          </p:cNvSpPr>
-          <p:nvPr>
-            <p:ph type="title"/>
-          </p:nvPr>
-        </p:nvSpPr>
-        <p:spPr/>
-        <p:txBody>
-          <a:bodyPr>
-            <a:normAutofit fontScale="90000"/>
-          </a:bodyPr>
-          <a:lstStyle/>
-          <a:p>
-            <a:r>
-              <a:rPr lang="it-IT" dirty="0"/>
-              <a:t>Important tools and programming </a:t>
-            </a:r>
-            <a:r>
-              <a:rPr lang="it-IT" dirty="0" err="1"/>
-              <a:t>language</a:t>
-            </a:r>
-            <a:r>
-              <a:rPr lang="it-IT" dirty="0"/>
-              <a:t> </a:t>
-            </a:r>
-            <a:r>
-              <a:rPr lang="it-IT" dirty="0" err="1"/>
-              <a:t>that</a:t>
-            </a:r>
-            <a:r>
-              <a:rPr lang="it-IT" dirty="0"/>
-              <a:t> (</a:t>
-            </a:r>
-            <a:r>
-              <a:rPr lang="it-IT" dirty="0" err="1"/>
-              <a:t>should</a:t>
-            </a:r>
-            <a:r>
-              <a:rPr lang="it-IT" dirty="0"/>
-              <a:t>) be </a:t>
-            </a:r>
-            <a:r>
-              <a:rPr lang="it-IT" dirty="0" err="1"/>
-              <a:t>installed</a:t>
-            </a:r>
-            <a:r>
-              <a:rPr lang="it-IT" dirty="0"/>
-              <a:t> in the lab computers</a:t>
-            </a:r>
-            <a:endParaRPr lang="en-US" dirty="0"/>
-          </a:p>
-        </p:txBody>
-      </p:sp>
-      <p:sp>
-        <p:nvSpPr>
-          <p:cNvPr id="3" name="Segnaposto testo 2">
-            <a:extLst>
-              <a:ext uri="{FF2B5EF4-FFF2-40B4-BE49-F238E27FC236}">
-                <a16:creationId xmlns:a16="http://schemas.microsoft.com/office/drawing/2014/main" id="{7C85DBB2-E13A-3FF4-4C16-24C27B5A0D5D}"/>
-              </a:ext>
-            </a:extLst>
-          </p:cNvPr>
-          <p:cNvSpPr>
-            <a:spLocks noGrp="1"/>
-          </p:cNvSpPr>
-          <p:nvPr>
-            <p:ph type="body" idx="1"/>
-          </p:nvPr>
-        </p:nvSpPr>
-        <p:spPr>
-          <a:xfrm>
-            <a:off x="311700" y="1783081"/>
-            <a:ext cx="8520600" cy="2785794"/>
-          </a:xfrm>
-        </p:spPr>
-        <p:txBody>
-          <a:bodyPr/>
-          <a:lstStyle/>
-          <a:p>
-            <a:r>
-              <a:rPr lang="it-IT" dirty="0"/>
-              <a:t>Python – </a:t>
-            </a:r>
-            <a:r>
-              <a:rPr lang="it-IT" b="1" dirty="0"/>
-              <a:t>check </a:t>
-            </a:r>
-            <a:r>
-              <a:rPr lang="it-IT" b="1" dirty="0" err="1"/>
-              <a:t>if</a:t>
-            </a:r>
-            <a:r>
-              <a:rPr lang="it-IT" b="1" dirty="0"/>
-              <a:t> </a:t>
-            </a:r>
-            <a:r>
-              <a:rPr lang="it-IT" b="1" dirty="0" err="1"/>
-              <a:t>you</a:t>
-            </a:r>
-            <a:r>
-              <a:rPr lang="it-IT" b="1" dirty="0"/>
-              <a:t> </a:t>
-            </a:r>
-            <a:r>
-              <a:rPr lang="it-IT" b="1" dirty="0" err="1"/>
-              <a:t>have</a:t>
-            </a:r>
-            <a:r>
-              <a:rPr lang="it-IT" b="1" dirty="0"/>
-              <a:t> Python, in the </a:t>
-            </a:r>
-            <a:r>
-              <a:rPr lang="it-IT" b="1" dirty="0" err="1"/>
-              <a:t>search</a:t>
-            </a:r>
-            <a:r>
-              <a:rPr lang="it-IT" b="1" dirty="0"/>
-              <a:t> bar </a:t>
-            </a:r>
-            <a:r>
-              <a:rPr lang="it-IT" b="1" dirty="0" err="1"/>
-              <a:t>search</a:t>
-            </a:r>
-            <a:r>
-              <a:rPr lang="it-IT" b="1" dirty="0"/>
-              <a:t> for «</a:t>
-            </a:r>
-            <a:r>
-              <a:rPr lang="it-IT" b="1" dirty="0" err="1"/>
-              <a:t>Eingabeaufforderung</a:t>
-            </a:r>
-            <a:r>
-              <a:rPr lang="it-IT" b="1" dirty="0"/>
-              <a:t>», open </a:t>
-            </a:r>
-            <a:r>
-              <a:rPr lang="it-IT" b="1" dirty="0" err="1"/>
-              <a:t>it</a:t>
-            </a:r>
-            <a:r>
-              <a:rPr lang="it-IT" b="1" dirty="0"/>
-              <a:t>, and then </a:t>
-            </a:r>
-            <a:r>
-              <a:rPr lang="it-IT" b="1" dirty="0" err="1"/>
-              <a:t>type</a:t>
-            </a:r>
-            <a:r>
-              <a:rPr lang="it-IT" b="1" dirty="0"/>
-              <a:t> «</a:t>
-            </a:r>
-            <a:r>
-              <a:rPr lang="it-IT" b="1" dirty="0" err="1"/>
-              <a:t>python</a:t>
-            </a:r>
-            <a:r>
-              <a:rPr lang="it-IT" b="1" dirty="0"/>
-              <a:t>» – a </a:t>
-            </a:r>
-            <a:r>
-              <a:rPr lang="it-IT" b="1" dirty="0" err="1"/>
-              <a:t>message</a:t>
-            </a:r>
-            <a:r>
-              <a:rPr lang="it-IT" b="1" dirty="0"/>
-              <a:t> with the Python </a:t>
-            </a:r>
-            <a:r>
-              <a:rPr lang="it-IT" b="1" dirty="0" err="1"/>
-              <a:t>version</a:t>
-            </a:r>
-            <a:r>
-              <a:rPr lang="it-IT" b="1" dirty="0"/>
-              <a:t> </a:t>
-            </a:r>
-            <a:r>
-              <a:rPr lang="it-IT" b="1" dirty="0" err="1"/>
-              <a:t>should</a:t>
-            </a:r>
-            <a:r>
-              <a:rPr lang="it-IT" b="1" dirty="0"/>
-              <a:t> appear</a:t>
-            </a:r>
-          </a:p>
-          <a:p>
-            <a:r>
-              <a:rPr lang="it-IT" dirty="0" err="1"/>
-              <a:t>PyCharm</a:t>
-            </a:r>
-            <a:r>
-              <a:rPr lang="it-IT" dirty="0"/>
-              <a:t> – </a:t>
-            </a:r>
-            <a:r>
-              <a:rPr lang="it-IT" b="1" dirty="0"/>
-              <a:t>look for </a:t>
-            </a:r>
-            <a:r>
-              <a:rPr lang="it-IT" b="1" dirty="0" err="1"/>
-              <a:t>Pycharm</a:t>
-            </a:r>
-            <a:r>
-              <a:rPr lang="it-IT" b="1" dirty="0"/>
-              <a:t> in the </a:t>
-            </a:r>
-            <a:r>
-              <a:rPr lang="it-IT" b="1" dirty="0" err="1"/>
-              <a:t>search</a:t>
-            </a:r>
-            <a:r>
-              <a:rPr lang="it-IT" b="1" dirty="0"/>
-              <a:t> bar, open </a:t>
-            </a:r>
-            <a:r>
-              <a:rPr lang="it-IT" b="1" dirty="0" err="1"/>
-              <a:t>it</a:t>
-            </a:r>
-            <a:r>
-              <a:rPr lang="it-IT" b="1" dirty="0"/>
-              <a:t>, create a new project</a:t>
-            </a:r>
-          </a:p>
-          <a:p>
-            <a:r>
-              <a:rPr lang="it-IT" dirty="0" err="1"/>
-              <a:t>Jupyter</a:t>
-            </a:r>
-            <a:r>
-              <a:rPr lang="it-IT" dirty="0"/>
-              <a:t> Notebook – </a:t>
-            </a:r>
-            <a:r>
-              <a:rPr lang="it-IT" b="1" dirty="0"/>
-              <a:t>once </a:t>
-            </a:r>
-            <a:r>
-              <a:rPr lang="it-IT" b="1" dirty="0" err="1"/>
-              <a:t>you</a:t>
-            </a:r>
-            <a:r>
-              <a:rPr lang="it-IT" b="1" dirty="0"/>
-              <a:t> are inside the project in </a:t>
-            </a:r>
-            <a:r>
-              <a:rPr lang="it-IT" b="1" dirty="0" err="1"/>
-              <a:t>Pychar</a:t>
-            </a:r>
-            <a:r>
-              <a:rPr lang="it-IT" b="1" dirty="0"/>
-              <a:t>, click on </a:t>
-            </a:r>
-            <a:r>
-              <a:rPr lang="it-IT" b="1" dirty="0" err="1"/>
-              <a:t>View</a:t>
-            </a:r>
-            <a:r>
-              <a:rPr lang="it-IT" b="1" dirty="0"/>
-              <a:t>, Tool Windows, Terminal. Once </a:t>
-            </a:r>
-            <a:r>
-              <a:rPr lang="it-IT" b="1" dirty="0" err="1"/>
-              <a:t>there</a:t>
-            </a:r>
-            <a:r>
-              <a:rPr lang="it-IT" b="1" dirty="0"/>
-              <a:t>, </a:t>
-            </a:r>
-            <a:r>
-              <a:rPr lang="it-IT" b="1" dirty="0" err="1"/>
-              <a:t>type</a:t>
-            </a:r>
-            <a:r>
-              <a:rPr lang="it-IT" b="1" dirty="0"/>
-              <a:t> «</a:t>
-            </a:r>
-            <a:r>
-              <a:rPr lang="it-IT" b="1" dirty="0" err="1"/>
-              <a:t>jupyter</a:t>
-            </a:r>
-            <a:r>
-              <a:rPr lang="it-IT" b="1" dirty="0"/>
-              <a:t> notebook», a Browser page </a:t>
-            </a:r>
-            <a:r>
-              <a:rPr lang="it-IT" b="1" dirty="0" err="1"/>
-              <a:t>should</a:t>
-            </a:r>
-            <a:r>
-              <a:rPr lang="it-IT" b="1" dirty="0"/>
-              <a:t> open</a:t>
-            </a:r>
-            <a:endParaRPr lang="en-US" b="1" dirty="0"/>
-          </a:p>
-        </p:txBody>
-      </p:sp>
-      <p:sp>
-        <p:nvSpPr>
-          <p:cNvPr id="4" name="Segnaposto numero diapositiva 3">
-            <a:extLst>
-              <a:ext uri="{FF2B5EF4-FFF2-40B4-BE49-F238E27FC236}">
-                <a16:creationId xmlns:a16="http://schemas.microsoft.com/office/drawing/2014/main" id="{F7A51D0F-8E0C-D59F-4574-2E9276644701}"/>
-              </a:ext>
-            </a:extLst>
-          </p:cNvPr>
-          <p:cNvSpPr>
-            <a:spLocks noGrp="1"/>
-          </p:cNvSpPr>
-          <p:nvPr>
-            <p:ph type="sldNum" idx="12"/>
-          </p:nvPr>
-        </p:nvSpPr>
-        <p:spPr/>
-        <p:txBody>
-          <a:bodyPr/>
-          <a:lstStyle/>
-          <a:p>
-            <a:pPr marL="0" lvl="0" indent="0" algn="r" rtl="0">
-              <a:spcBef>
-                <a:spcPts val="0"/>
-              </a:spcBef>
-              <a:spcAft>
-                <a:spcPts val="0"/>
-              </a:spcAft>
-              <a:buNone/>
-            </a:pPr>
-            <a:fld id="{00000000-1234-1234-1234-123412341234}" type="slidenum">
-              <a:rPr lang="en-US" smtClean="0"/>
-              <a:t>28</a:t>
-            </a:fld>
-            <a:endParaRPr lang="en-US"/>
-          </a:p>
-        </p:txBody>
-      </p:sp>
-      <p:sp>
-        <p:nvSpPr>
-          <p:cNvPr id="5" name="Segnaposto piè di pagina 4">
-            <a:extLst>
-              <a:ext uri="{FF2B5EF4-FFF2-40B4-BE49-F238E27FC236}">
-                <a16:creationId xmlns:a16="http://schemas.microsoft.com/office/drawing/2014/main" id="{07376CFC-F87A-4338-4B53-9A513FF374F7}"/>
-              </a:ext>
-            </a:extLst>
-          </p:cNvPr>
-          <p:cNvSpPr>
-            <a:spLocks noGrp="1"/>
-          </p:cNvSpPr>
-          <p:nvPr>
-            <p:ph type="ftr" sz="quarter" idx="13"/>
-          </p:nvPr>
-        </p:nvSpPr>
-        <p:spPr/>
-        <p:txBody>
-          <a:bodyPr/>
-          <a:lstStyle/>
-          <a:p>
-            <a:r>
-              <a:rPr lang="en-US"/>
-              <a:t>Introduction to Programming for Humanists - 1</a:t>
-            </a:r>
-          </a:p>
-        </p:txBody>
-      </p:sp>
-    </p:spTree>
-    <p:extLst>
-      <p:ext uri="{BB962C8B-B14F-4D97-AF65-F5344CB8AC3E}">
-        <p14:creationId xmlns:p14="http://schemas.microsoft.com/office/powerpoint/2010/main" val="424362027"/>
-      </p:ext>
-    </p:extLst>
-  </p:cSld>
-  <p:clrMapOvr>
-    <a:masterClrMapping/>
-  </p:clrMapOvr>
-</p:sld>
-</file>
-
 <file path=ppt/slides/slide29.xml><?xml version="1.0" encoding="utf-8"?>
 <p:sld xmlns:a="http://schemas.openxmlformats.org/drawingml/2006/main" xmlns:r="http://schemas.openxmlformats.org/officeDocument/2006/relationships" xmlns:p="http://schemas.openxmlformats.org/presentationml/2006/main">
   <p:cSld>
@@ -14250,7 +14089,7 @@
           <p:cNvPr id="2" name="Titolo 1">
             <a:extLst>
               <a:ext uri="{FF2B5EF4-FFF2-40B4-BE49-F238E27FC236}">
-                <a16:creationId xmlns:a16="http://schemas.microsoft.com/office/drawing/2014/main" id="{490C5075-366E-1945-7B6B-D53B48D80F6E}"/>
+                <a16:creationId xmlns:a16="http://schemas.microsoft.com/office/drawing/2014/main" id="{321AB6B3-411E-0C1F-9A2B-BC7EA039FA60}"/>
               </a:ext>
             </a:extLst>
           </p:cNvPr>
@@ -14270,15 +14109,39 @@
           <a:p>
             <a:r>
               <a:rPr lang="it-IT" dirty="0"/>
-              <a:t>Drag the file «week1.ipynb» in the </a:t>
+              <a:t>Important tools and programming </a:t>
             </a:r>
             <a:r>
               <a:rPr lang="it-IT" dirty="0" err="1"/>
-              <a:t>PyCharm</a:t>
+              <a:t>language</a:t>
             </a:r>
             <a:r>
               <a:rPr lang="it-IT" dirty="0"/>
-              <a:t> project folder</a:t>
+              <a:t> </a:t>
+            </a:r>
+            <a:r>
+              <a:rPr lang="it-IT" dirty="0" err="1"/>
+              <a:t>that</a:t>
+            </a:r>
+            <a:r>
+              <a:rPr lang="it-IT" dirty="0"/>
+              <a:t> (</a:t>
+            </a:r>
+            <a:r>
+              <a:rPr lang="it-IT" dirty="0" err="1"/>
+              <a:t>should</a:t>
+            </a:r>
+            <a:r>
+              <a:rPr lang="it-IT" dirty="0"/>
+              <a:t>) be </a:t>
+            </a:r>
+            <a:r>
+              <a:rPr lang="it-IT" dirty="0" err="1"/>
+              <a:t>installed</a:t>
+            </a:r>
+            <a:r>
+              <a:rPr lang="it-IT" dirty="0"/>
+              <a:t> in the lab computers</a:t>
             </a:r>
             <a:endParaRPr lang="en-US" dirty="0"/>
           </a:p>
@@ -14289,7 +14152,7 @@
           <p:cNvPr id="3" name="Segnaposto testo 2">
             <a:extLst>
               <a:ext uri="{FF2B5EF4-FFF2-40B4-BE49-F238E27FC236}">
-                <a16:creationId xmlns:a16="http://schemas.microsoft.com/office/drawing/2014/main" id="{77720A2F-E915-2848-394D-F3DB9EC414D7}"/>
+                <a16:creationId xmlns:a16="http://schemas.microsoft.com/office/drawing/2014/main" id="{7C85DBB2-E13A-3FF4-4C16-24C27B5A0D5D}"/>
               </a:ext>
             </a:extLst>
           </p:cNvPr>
@@ -14300,52 +14163,229 @@
             <p:ph type="body" idx="1"/>
           </p:nvPr>
         </p:nvSpPr>
-        <p:spPr/>
+        <p:spPr>
+          <a:xfrm>
+            <a:off x="311700" y="1783081"/>
+            <a:ext cx="8520600" cy="2785794"/>
+          </a:xfrm>
+        </p:spPr>
         <p:txBody>
           <a:bodyPr/>
           <a:lstStyle/>
           <a:p>
             <a:r>
               <a:rPr lang="it-IT" dirty="0"/>
-              <a:t>You </a:t>
-            </a:r>
+              <a:t>Python – </a:t>
+            </a:r>
+            <a:r>
+              <a:rPr lang="it-IT" b="1" dirty="0"/>
+              <a:t>check </a:t>
+            </a:r>
+            <a:r>
+              <a:rPr lang="it-IT" b="1" dirty="0" err="1"/>
+              <a:t>if</a:t>
+            </a:r>
+            <a:r>
+              <a:rPr lang="it-IT" b="1" dirty="0"/>
+              <a:t> </a:t>
+            </a:r>
+            <a:r>
+              <a:rPr lang="it-IT" b="1" dirty="0" err="1"/>
+              <a:t>you</a:t>
+            </a:r>
+            <a:r>
+              <a:rPr lang="it-IT" b="1" dirty="0"/>
+              <a:t> </a:t>
+            </a:r>
+            <a:r>
+              <a:rPr lang="it-IT" b="1" dirty="0" err="1"/>
+              <a:t>have</a:t>
+            </a:r>
+            <a:r>
+              <a:rPr lang="it-IT" b="1" dirty="0"/>
+              <a:t> Python, in the </a:t>
+            </a:r>
+            <a:r>
+              <a:rPr lang="it-IT" b="1" dirty="0" err="1"/>
+              <a:t>search</a:t>
+            </a:r>
+            <a:r>
+              <a:rPr lang="it-IT" b="1" dirty="0"/>
+              <a:t> bar </a:t>
+            </a:r>
+            <a:r>
+              <a:rPr lang="it-IT" b="1" dirty="0" err="1"/>
+              <a:t>search</a:t>
+            </a:r>
+            <a:r>
+              <a:rPr lang="it-IT" b="1" dirty="0"/>
+              <a:t> for «</a:t>
+            </a:r>
+            <a:r>
+              <a:rPr lang="it-IT" b="1" dirty="0" err="1"/>
+              <a:t>Eingabeaufforderung</a:t>
+            </a:r>
+            <a:r>
+              <a:rPr lang="it-IT" b="1" dirty="0"/>
+              <a:t>», open </a:t>
+            </a:r>
+            <a:r>
+              <a:rPr lang="it-IT" b="1" dirty="0" err="1"/>
+              <a:t>it</a:t>
+            </a:r>
+            <a:r>
+              <a:rPr lang="it-IT" b="1" dirty="0"/>
+              <a:t>, and then </a:t>
+            </a:r>
+            <a:r>
+              <a:rPr lang="it-IT" b="1" dirty="0" err="1"/>
+              <a:t>type</a:t>
+            </a:r>
+            <a:r>
+              <a:rPr lang="it-IT" b="1" dirty="0"/>
+              <a:t> «</a:t>
+            </a:r>
+            <a:r>
+              <a:rPr lang="it-IT" b="1" dirty="0" err="1"/>
+              <a:t>python</a:t>
+            </a:r>
+            <a:r>
+              <a:rPr lang="it-IT" b="1" dirty="0"/>
+              <a:t>» – a </a:t>
+            </a:r>
+            <a:r>
+              <a:rPr lang="it-IT" b="1" dirty="0" err="1"/>
+              <a:t>message</a:t>
+            </a:r>
+            <a:r>
+              <a:rPr lang="it-IT" b="1" dirty="0"/>
+              <a:t> with the Python </a:t>
+            </a:r>
+            <a:r>
+              <a:rPr lang="it-IT" b="1" dirty="0" err="1"/>
+              <a:t>version</a:t>
+            </a:r>
+            <a:r>
+              <a:rPr lang="it-IT" b="1" dirty="0"/>
+              <a:t> </a:t>
+            </a:r>
+            <a:r>
+              <a:rPr lang="it-IT" b="1" dirty="0" err="1"/>
+              <a:t>should</a:t>
+            </a:r>
+            <a:r>
+              <a:rPr lang="it-IT" b="1" dirty="0"/>
+              <a:t> appear</a:t>
+            </a:r>
+          </a:p>
+          <a:p>
             <a:r>
               <a:rPr lang="it-IT" dirty="0" err="1"/>
-              <a:t>should</a:t>
+              <a:t>PyCharm</a:t>
             </a:r>
             <a:r>
               <a:rPr lang="it-IT" dirty="0"/>
-              <a:t> be </a:t>
-            </a:r>
-            <a:r>
-              <a:rPr lang="it-IT" dirty="0" err="1"/>
-              <a:t>able</a:t>
-            </a:r>
-            <a:r>
-              <a:rPr lang="it-IT" dirty="0"/>
-              <a:t> to open </a:t>
-            </a:r>
-            <a:r>
-              <a:rPr lang="it-IT" dirty="0" err="1"/>
+              <a:t> – </a:t>
+            </a:r>
+            <a:r>
+              <a:rPr lang="it-IT" b="1" dirty="0"/>
+              <a:t>look for </a:t>
+            </a:r>
+            <a:r>
+              <a:rPr lang="it-IT" b="1" dirty="0" err="1"/>
+              <a:t>Pycharm</a:t>
+            </a:r>
+            <a:r>
+              <a:rPr lang="it-IT" b="1" dirty="0"/>
+              <a:t> in the </a:t>
+            </a:r>
+            <a:r>
+              <a:rPr lang="it-IT" b="1" dirty="0" err="1"/>
+              <a:t>search</a:t>
+            </a:r>
+            <a:r>
+              <a:rPr lang="it-IT" b="1" dirty="0"/>
+              <a:t> bar, open </a:t>
+            </a:r>
+            <a:r>
+              <a:rPr lang="it-IT" b="1" dirty="0" err="1"/>
               <a:t>it</a:t>
             </a:r>
             <a:r>
-              <a:rPr lang="it-IT" dirty="0"/>
-              <a:t> </a:t>
-            </a:r>
-            <a:r>
-              <a:rPr lang="it-IT" dirty="0" err="1"/>
-              <a:t>through</a:t>
-            </a:r>
-            <a:r>
-              <a:rPr lang="it-IT" dirty="0"/>
-              <a:t> </a:t>
-            </a:r>
+              <a:rPr lang="it-IT" b="1" dirty="0"/>
+              <a:t>, create a new project</a:t>
+            </a:r>
+          </a:p>
+          <a:p>
             <a:r>
               <a:rPr lang="it-IT" dirty="0" err="1"/>
               <a:t>Jupyter</a:t>
             </a:r>
-            <a:endParaRPr lang="en-US" dirty="0"/>
+            <a:r>
+              <a:rPr lang="it-IT" dirty="0"/>
+              <a:t> Notebook – </a:t>
+            </a:r>
+            <a:r>
+              <a:rPr lang="it-IT" b="1" dirty="0"/>
+              <a:t>once </a:t>
+            </a:r>
+            <a:r>
+              <a:rPr lang="it-IT" b="1" dirty="0" err="1"/>
+              <a:t>you</a:t>
+            </a:r>
+            <a:r>
+              <a:rPr lang="it-IT" b="1" dirty="0"/>
+              <a:t> are inside the project in </a:t>
+            </a:r>
+            <a:r>
+              <a:rPr lang="it-IT" b="1" dirty="0" err="1"/>
+              <a:t>PyCharm</a:t>
+            </a:r>
+            <a:r>
+              <a:rPr lang="it-IT" b="1" dirty="0"/>
+              <a:t>, click on </a:t>
+            </a:r>
+            <a:r>
+              <a:rPr lang="it-IT" b="1" dirty="0" err="1"/>
+              <a:t>View</a:t>
+            </a:r>
+            <a:r>
+              <a:rPr lang="it-IT" b="1" dirty="0"/>
+              <a:t>, Tool Windows, Terminal. Once </a:t>
+            </a:r>
+            <a:r>
+              <a:rPr lang="it-IT" b="1" dirty="0" err="1"/>
+              <a:t>there</a:t>
+            </a:r>
+            <a:r>
+              <a:rPr lang="it-IT" b="1" dirty="0"/>
+              <a:t>, </a:t>
+            </a:r>
+            <a:r>
+              <a:rPr lang="it-IT" b="1" dirty="0" err="1"/>
+              <a:t>type</a:t>
+            </a:r>
+            <a:r>
+              <a:rPr lang="it-IT" b="1" dirty="0"/>
+              <a:t> «</a:t>
+            </a:r>
+            <a:r>
+              <a:rPr lang="it-IT" b="1" dirty="0" err="1"/>
+              <a:t>jupyter</a:t>
+            </a:r>
+            <a:r>
+              <a:rPr lang="it-IT" b="1" dirty="0"/>
+              <a:t> notebook», a browser page </a:t>
+            </a:r>
+            <a:r>
+              <a:rPr lang="it-IT" b="1" dirty="0" err="1"/>
+              <a:t>should</a:t>
+            </a:r>
+            <a:r>
+              <a:rPr lang="it-IT" b="1" dirty="0"/>
+              <a:t> open</a:t>
+            </a:r>
+            <a:endParaRPr lang="en-US" b="1" dirty="0"/>
           </a:p>
         </p:txBody>
       </p:sp>
@@ -14354,7 +14394,7 @@
           <p:cNvPr id="4" name="Segnaposto numero diapositiva 3">
             <a:extLst>
               <a:ext uri="{FF2B5EF4-FFF2-40B4-BE49-F238E27FC236}">
-                <a16:creationId xmlns:a16="http://schemas.microsoft.com/office/drawing/2014/main" id="{A47E6BE0-6B14-4A8A-3A9C-FBE897002FD1}"/>
+                <a16:creationId xmlns:a16="http://schemas.microsoft.com/office/drawing/2014/main" id="{F7A51D0F-8E0C-D59F-4574-2E9276644701}"/>
               </a:ext>
             </a:extLst>
           </p:cNvPr>
@@ -14392,7 +14432,7 @@
           <p:cNvPr id="5" name="Segnaposto piè di pagina 4">
             <a:extLst>
               <a:ext uri="{FF2B5EF4-FFF2-40B4-BE49-F238E27FC236}">
-                <a16:creationId xmlns:a16="http://schemas.microsoft.com/office/drawing/2014/main" id="{16E1D0FC-DD9B-8140-F9B0-1BD5502E5BFB}"/>
+                <a16:creationId xmlns:a16="http://schemas.microsoft.com/office/drawing/2014/main" id="{07376CFC-F87A-4338-4B53-9A513FF374F7}"/>
               </a:ext>
             </a:extLst>
           </p:cNvPr>
@@ -14418,7 +14458,7 @@
     </p:spTree>
     <p:extLst>
       <p:ext uri="{BB962C8B-B14F-4D97-AF65-F5344CB8AC3E}">
-        <p14:creationId xmlns:p14="http://schemas.microsoft.com/office/powerpoint/2010/main" val="3019587914"/>
+        <p14:creationId xmlns:p14="http://schemas.microsoft.com/office/powerpoint/2010/main" val="424362027"/>
       </p:ext>
     </p:extLst>
   </p:cSld>
@@ -14649,6 +14689,399 @@
           <p:cNvPr id="2" name="Titolo 1">
             <a:extLst>
               <a:ext uri="{FF2B5EF4-FFF2-40B4-BE49-F238E27FC236}">
+                <a16:creationId xmlns:a16="http://schemas.microsoft.com/office/drawing/2014/main" id="{09793A1A-ADD6-3A5F-C0A6-2BB1D54E661C}"/>
+              </a:ext>
+            </a:extLst>
+          </p:cNvPr>
+          <p:cNvSpPr>
+            <a:spLocks noGrp="1"/>
+          </p:cNvSpPr>
+          <p:nvPr>
+            <p:ph type="title"/>
+          </p:nvPr>
+        </p:nvSpPr>
+        <p:spPr/>
+        <p:txBody>
+          <a:bodyPr>
+            <a:normAutofit fontScale="90000"/>
+          </a:bodyPr>
+          <a:lstStyle/>
+          <a:p>
+            <a:r>
+              <a:rPr lang="it-IT" dirty="0"/>
+              <a:t>GitHub</a:t>
+            </a:r>
+            <a:endParaRPr lang="en-US" dirty="0"/>
+          </a:p>
+        </p:txBody>
+      </p:sp>
+      <p:sp>
+        <p:nvSpPr>
+          <p:cNvPr id="3" name="Segnaposto testo 2">
+            <a:extLst>
+              <a:ext uri="{FF2B5EF4-FFF2-40B4-BE49-F238E27FC236}">
+                <a16:creationId xmlns:a16="http://schemas.microsoft.com/office/drawing/2014/main" id="{9924E200-3112-3AE6-DFF4-6E17613AC66C}"/>
+              </a:ext>
+            </a:extLst>
+          </p:cNvPr>
+          <p:cNvSpPr>
+            <a:spLocks noGrp="1"/>
+          </p:cNvSpPr>
+          <p:nvPr>
+            <p:ph type="body" idx="1"/>
+          </p:nvPr>
+        </p:nvSpPr>
+        <p:spPr/>
+        <p:txBody>
+          <a:bodyPr>
+            <a:normAutofit/>
+          </a:bodyPr>
+          <a:lstStyle/>
+          <a:p>
+            <a:r>
+              <a:rPr lang="it-IT" dirty="0"/>
+              <a:t>You can </a:t>
+            </a:r>
+            <a:r>
+              <a:rPr lang="it-IT" dirty="0" err="1"/>
+              <a:t>find</a:t>
+            </a:r>
+            <a:r>
+              <a:rPr lang="it-IT" dirty="0"/>
+              <a:t> the repository of the GitHub </a:t>
+            </a:r>
+            <a:r>
+              <a:rPr lang="it-IT" dirty="0" err="1"/>
+              <a:t>course</a:t>
+            </a:r>
+            <a:r>
+              <a:rPr lang="it-IT" dirty="0"/>
+              <a:t> </a:t>
+            </a:r>
+            <a:r>
+              <a:rPr lang="it-IT" dirty="0" err="1"/>
+              <a:t>here</a:t>
+            </a:r>
+            <a:r>
+              <a:rPr lang="it-IT" dirty="0"/>
+              <a:t>: </a:t>
+            </a:r>
+          </a:p>
+          <a:p>
+            <a:endParaRPr lang="it-IT" dirty="0"/>
+          </a:p>
+          <a:p>
+            <a:pPr marL="114300" indent="0">
+              <a:buNone/>
+            </a:pPr>
+            <a:r>
+              <a:rPr lang="en-US" sz="6000" dirty="0"/>
+              <a:t>https://shorturl.at/xyIS4</a:t>
+            </a:r>
+          </a:p>
+        </p:txBody>
+      </p:sp>
+      <p:sp>
+        <p:nvSpPr>
+          <p:cNvPr id="4" name="Segnaposto numero diapositiva 3">
+            <a:extLst>
+              <a:ext uri="{FF2B5EF4-FFF2-40B4-BE49-F238E27FC236}">
+                <a16:creationId xmlns:a16="http://schemas.microsoft.com/office/drawing/2014/main" id="{DB30C317-BCA2-E9F8-2AE3-0D874247AEB2}"/>
+              </a:ext>
+            </a:extLst>
+          </p:cNvPr>
+          <p:cNvSpPr>
+            <a:spLocks noGrp="1"/>
+          </p:cNvSpPr>
+          <p:nvPr>
+            <p:ph type="sldNum" idx="12"/>
+          </p:nvPr>
+        </p:nvSpPr>
+        <p:spPr/>
+        <p:txBody>
+          <a:bodyPr/>
+          <a:lstStyle/>
+          <a:p>
+            <a:pPr marL="0" lvl="0" indent="0" algn="r" rtl="0">
+              <a:spcBef>
+                <a:spcPts val="0"/>
+              </a:spcBef>
+              <a:spcAft>
+                <a:spcPts val="0"/>
+              </a:spcAft>
+              <a:buNone/>
+            </a:pPr>
+            <a:fld id="{00000000-1234-1234-1234-123412341234}" type="slidenum">
+              <a:rPr lang="en-US" smtClean="0"/>
+              <a:t>30</a:t>
+            </a:fld>
+            <a:endParaRPr lang="en-US"/>
+          </a:p>
+        </p:txBody>
+      </p:sp>
+      <p:sp>
+        <p:nvSpPr>
+          <p:cNvPr id="5" name="Segnaposto piè di pagina 4">
+            <a:extLst>
+              <a:ext uri="{FF2B5EF4-FFF2-40B4-BE49-F238E27FC236}">
+                <a16:creationId xmlns:a16="http://schemas.microsoft.com/office/drawing/2014/main" id="{AE8AE521-4F44-B9B0-34C9-AB23154D2FE9}"/>
+              </a:ext>
+            </a:extLst>
+          </p:cNvPr>
+          <p:cNvSpPr>
+            <a:spLocks noGrp="1"/>
+          </p:cNvSpPr>
+          <p:nvPr>
+            <p:ph type="ftr" sz="quarter" idx="13"/>
+          </p:nvPr>
+        </p:nvSpPr>
+        <p:spPr/>
+        <p:txBody>
+          <a:bodyPr/>
+          <a:lstStyle/>
+          <a:p>
+            <a:r>
+              <a:rPr lang="en-US"/>
+              <a:t>Introduction to Programming for Humanists - 1</a:t>
+            </a:r>
+          </a:p>
+        </p:txBody>
+      </p:sp>
+    </p:spTree>
+    <p:extLst>
+      <p:ext uri="{BB962C8B-B14F-4D97-AF65-F5344CB8AC3E}">
+        <p14:creationId xmlns:p14="http://schemas.microsoft.com/office/powerpoint/2010/main" val="2986285950"/>
+      </p:ext>
+    </p:extLst>
+  </p:cSld>
+  <p:clrMapOvr>
+    <a:masterClrMapping/>
+  </p:clrMapOvr>
+</p:sld>
+</file>
+
+<file path=ppt/slides/slide31.xml><?xml version="1.0" encoding="utf-8"?>
+<p:sld xmlns:a="http://schemas.openxmlformats.org/drawingml/2006/main" xmlns:r="http://schemas.openxmlformats.org/officeDocument/2006/relationships" xmlns:p="http://schemas.openxmlformats.org/presentationml/2006/main">
+  <p:cSld>
+    <p:spTree>
+      <p:nvGrpSpPr>
+        <p:cNvPr id="1" name=""/>
+        <p:cNvGrpSpPr/>
+        <p:nvPr/>
+      </p:nvGrpSpPr>
+      <p:grpSpPr>
+        <a:xfrm>
+          <a:off x="0" y="0"/>
+          <a:ext cx="0" cy="0"/>
+          <a:chOff x="0" y="0"/>
+          <a:chExt cx="0" cy="0"/>
+        </a:xfrm>
+      </p:grpSpPr>
+      <p:sp>
+        <p:nvSpPr>
+          <p:cNvPr id="2" name="Titolo 1">
+            <a:extLst>
+              <a:ext uri="{FF2B5EF4-FFF2-40B4-BE49-F238E27FC236}">
+                <a16:creationId xmlns:a16="http://schemas.microsoft.com/office/drawing/2014/main" id="{490C5075-366E-1945-7B6B-D53B48D80F6E}"/>
+              </a:ext>
+            </a:extLst>
+          </p:cNvPr>
+          <p:cNvSpPr>
+            <a:spLocks noGrp="1"/>
+          </p:cNvSpPr>
+          <p:nvPr>
+            <p:ph type="title"/>
+          </p:nvPr>
+        </p:nvSpPr>
+        <p:spPr/>
+        <p:txBody>
+          <a:bodyPr>
+            <a:normAutofit fontScale="90000"/>
+          </a:bodyPr>
+          <a:lstStyle/>
+          <a:p>
+            <a:r>
+              <a:rPr lang="it-IT" dirty="0"/>
+              <a:t>Drag the file «week1.ipynb» in the </a:t>
+            </a:r>
+            <a:r>
+              <a:rPr lang="it-IT" dirty="0" err="1"/>
+              <a:t>PyCharm</a:t>
+            </a:r>
+            <a:r>
+              <a:rPr lang="it-IT" dirty="0"/>
+              <a:t> project folder</a:t>
+            </a:r>
+            <a:endParaRPr lang="en-US" dirty="0"/>
+          </a:p>
+        </p:txBody>
+      </p:sp>
+      <p:sp>
+        <p:nvSpPr>
+          <p:cNvPr id="3" name="Segnaposto testo 2">
+            <a:extLst>
+              <a:ext uri="{FF2B5EF4-FFF2-40B4-BE49-F238E27FC236}">
+                <a16:creationId xmlns:a16="http://schemas.microsoft.com/office/drawing/2014/main" id="{77720A2F-E915-2848-394D-F3DB9EC414D7}"/>
+              </a:ext>
+            </a:extLst>
+          </p:cNvPr>
+          <p:cNvSpPr>
+            <a:spLocks noGrp="1"/>
+          </p:cNvSpPr>
+          <p:nvPr>
+            <p:ph type="body" idx="1"/>
+          </p:nvPr>
+        </p:nvSpPr>
+        <p:spPr/>
+        <p:txBody>
+          <a:bodyPr/>
+          <a:lstStyle/>
+          <a:p>
+            <a:r>
+              <a:rPr lang="it-IT" dirty="0"/>
+              <a:t>You </a:t>
+            </a:r>
+            <a:r>
+              <a:rPr lang="it-IT" dirty="0" err="1"/>
+              <a:t>should</a:t>
+            </a:r>
+            <a:r>
+              <a:rPr lang="it-IT" dirty="0"/>
+              <a:t> be </a:t>
+            </a:r>
+            <a:r>
+              <a:rPr lang="it-IT" dirty="0" err="1"/>
+              <a:t>able</a:t>
+            </a:r>
+            <a:r>
+              <a:rPr lang="it-IT" dirty="0"/>
+              <a:t> to open </a:t>
+            </a:r>
+            <a:r>
+              <a:rPr lang="it-IT" dirty="0" err="1"/>
+              <a:t>it</a:t>
+            </a:r>
+            <a:r>
+              <a:rPr lang="it-IT" dirty="0"/>
+              <a:t> </a:t>
+            </a:r>
+            <a:r>
+              <a:rPr lang="it-IT" dirty="0" err="1"/>
+              <a:t>through</a:t>
+            </a:r>
+            <a:r>
+              <a:rPr lang="it-IT" dirty="0"/>
+              <a:t> </a:t>
+            </a:r>
+            <a:r>
+              <a:rPr lang="it-IT" dirty="0" err="1"/>
+              <a:t>Jupyter</a:t>
+            </a:r>
+            <a:endParaRPr lang="en-US" dirty="0"/>
+          </a:p>
+        </p:txBody>
+      </p:sp>
+      <p:sp>
+        <p:nvSpPr>
+          <p:cNvPr id="4" name="Segnaposto numero diapositiva 3">
+            <a:extLst>
+              <a:ext uri="{FF2B5EF4-FFF2-40B4-BE49-F238E27FC236}">
+                <a16:creationId xmlns:a16="http://schemas.microsoft.com/office/drawing/2014/main" id="{A47E6BE0-6B14-4A8A-3A9C-FBE897002FD1}"/>
+              </a:ext>
+            </a:extLst>
+          </p:cNvPr>
+          <p:cNvSpPr>
+            <a:spLocks noGrp="1"/>
+          </p:cNvSpPr>
+          <p:nvPr>
+            <p:ph type="sldNum" idx="12"/>
+          </p:nvPr>
+        </p:nvSpPr>
+        <p:spPr/>
+        <p:txBody>
+          <a:bodyPr/>
+          <a:lstStyle/>
+          <a:p>
+            <a:pPr marL="0" lvl="0" indent="0" algn="r" rtl="0">
+              <a:spcBef>
+                <a:spcPts val="0"/>
+              </a:spcBef>
+              <a:spcAft>
+                <a:spcPts val="0"/>
+              </a:spcAft>
+              <a:buNone/>
+            </a:pPr>
+            <a:fld id="{00000000-1234-1234-1234-123412341234}" type="slidenum">
+              <a:rPr lang="en-US" smtClean="0"/>
+              <a:t>31</a:t>
+            </a:fld>
+            <a:endParaRPr lang="en-US"/>
+          </a:p>
+        </p:txBody>
+      </p:sp>
+      <p:sp>
+        <p:nvSpPr>
+          <p:cNvPr id="5" name="Segnaposto piè di pagina 4">
+            <a:extLst>
+              <a:ext uri="{FF2B5EF4-FFF2-40B4-BE49-F238E27FC236}">
+                <a16:creationId xmlns:a16="http://schemas.microsoft.com/office/drawing/2014/main" id="{16E1D0FC-DD9B-8140-F9B0-1BD5502E5BFB}"/>
+              </a:ext>
+            </a:extLst>
+          </p:cNvPr>
+          <p:cNvSpPr>
+            <a:spLocks noGrp="1"/>
+          </p:cNvSpPr>
+          <p:nvPr>
+            <p:ph type="ftr" sz="quarter" idx="13"/>
+          </p:nvPr>
+        </p:nvSpPr>
+        <p:spPr/>
+        <p:txBody>
+          <a:bodyPr/>
+          <a:lstStyle/>
+          <a:p>
+            <a:r>
+              <a:rPr lang="en-US"/>
+              <a:t>Introduction to Programming for Humanists - 1</a:t>
+            </a:r>
+          </a:p>
+        </p:txBody>
+      </p:sp>
+    </p:spTree>
+    <p:extLst>
+      <p:ext uri="{BB962C8B-B14F-4D97-AF65-F5344CB8AC3E}">
+        <p14:creationId xmlns:p14="http://schemas.microsoft.com/office/powerpoint/2010/main" val="3019587914"/>
+      </p:ext>
+    </p:extLst>
+  </p:cSld>
+  <p:clrMapOvr>
+    <a:masterClrMapping/>
+  </p:clrMapOvr>
+</p:sld>
+</file>
+
+<file path=ppt/slides/slide32.xml><?xml version="1.0" encoding="utf-8"?>
+<p:sld xmlns:a="http://schemas.openxmlformats.org/drawingml/2006/main" xmlns:r="http://schemas.openxmlformats.org/officeDocument/2006/relationships" xmlns:p="http://schemas.openxmlformats.org/presentationml/2006/main">
+  <p:cSld>
+    <p:spTree>
+      <p:nvGrpSpPr>
+        <p:cNvPr id="1" name=""/>
+        <p:cNvGrpSpPr/>
+        <p:nvPr/>
+      </p:nvGrpSpPr>
+      <p:grpSpPr>
+        <a:xfrm>
+          <a:off x="0" y="0"/>
+          <a:ext cx="0" cy="0"/>
+          <a:chOff x="0" y="0"/>
+          <a:chExt cx="0" cy="0"/>
+        </a:xfrm>
+      </p:grpSpPr>
+      <p:sp>
+        <p:nvSpPr>
+          <p:cNvPr id="2" name="Titolo 1">
+            <a:extLst>
+              <a:ext uri="{FF2B5EF4-FFF2-40B4-BE49-F238E27FC236}">
                 <a16:creationId xmlns:a16="http://schemas.microsoft.com/office/drawing/2014/main" id="{033E15B8-708F-A2A1-ED4B-4CE57D1E2B9B}"/>
               </a:ext>
             </a:extLst>
@@ -14732,7 +15165,7 @@
             </a:pPr>
             <a:fld id="{00000000-1234-1234-1234-123412341234}" type="slidenum">
               <a:rPr lang="en-US" smtClean="0"/>
-              <a:t>30</a:t>
+              <a:t>32</a:t>
             </a:fld>
             <a:endParaRPr lang="en-US"/>
           </a:p>
@@ -15076,10 +15509,10 @@
               <a:buNone/>
             </a:pPr>
             <a:r>
-              <a:rPr lang="it" sz="1700"/>
+              <a:rPr lang="it" sz="1700" dirty="0"/>
               <a:t>A humanist (shocking!) turned into a digital humanist (perhaps even more shocking!!)</a:t>
             </a:r>
-            <a:endParaRPr sz="1700"/>
+            <a:endParaRPr sz="1700" dirty="0"/>
           </a:p>
           <a:p>
             <a:pPr marL="0" lvl="0" indent="0" algn="l" rtl="0">
@@ -15092,10 +15525,10 @@
               <a:buNone/>
             </a:pPr>
             <a:r>
-              <a:rPr lang="it" sz="1700"/>
+              <a:rPr lang="it" sz="1700" dirty="0"/>
               <a:t>(almost) Ph.D in Digital Humanities and Semantic Web Technologies</a:t>
             </a:r>
-            <a:endParaRPr sz="1700"/>
+            <a:endParaRPr sz="1700" dirty="0"/>
           </a:p>
           <a:p>
             <a:pPr marL="0" lvl="0" indent="0" algn="l" rtl="0">
@@ -15108,10 +15541,10 @@
               <a:buNone/>
             </a:pPr>
             <a:r>
-              <a:rPr lang="it" sz="1700"/>
-              <a:t>Senior Postdoc - Assistant Professor - Akademischer Rat (pick your poison)</a:t>
-            </a:r>
-            <a:endParaRPr sz="1700"/>
+              <a:rPr lang="it" sz="1700" dirty="0"/>
+              <a:t>Akademischer Rat</a:t>
+            </a:r>
+            <a:endParaRPr sz="1700" dirty="0"/>
           </a:p>
         </p:txBody>
       </p:sp>
